--- a/宣伝用チラシ.pptx
+++ b/宣伝用チラシ.pptx
@@ -107,6 +107,11 @@
       </a:defRPr>
     </a:lvl9pPr>
   </p:defaultTextStyle>
+  <p:extLst>
+    <p:ext uri="{EFAFB233-063F-42B5-8137-9DF3F51BA10A}">
+      <p15:sldGuideLst xmlns:p15="http://schemas.microsoft.com/office/powerpoint/2012/main"/>
+    </p:ext>
+  </p:extLst>
 </p:presentation>
 </file>
 
@@ -192,7 +197,7 @@
           <a:p>
             <a:fld id="{73AAA763-6B79-0548-BD5B-F35EB1FB914C}" type="datetimeFigureOut">
               <a:rPr kumimoji="1" lang="ja-JP" altLang="en-US" smtClean="0"/>
-              <a:t>2023/7/30</a:t>
+              <a:t>2023/8/7</a:t>
             </a:fld>
             <a:endParaRPr kumimoji="1" lang="ja-JP" altLang="en-US"/>
           </a:p>
@@ -622,7 +627,7 @@
           <a:p>
             <a:fld id="{3959A244-0CDE-1846-9ADE-A95D09C5D661}" type="datetimeFigureOut">
               <a:rPr kumimoji="1" lang="ja-JP" altLang="en-US" smtClean="0"/>
-              <a:t>2023/7/30</a:t>
+              <a:t>2023/8/7</a:t>
             </a:fld>
             <a:endParaRPr kumimoji="1" lang="ja-JP" altLang="en-US"/>
           </a:p>
@@ -824,7 +829,7 @@
           <a:p>
             <a:fld id="{3959A244-0CDE-1846-9ADE-A95D09C5D661}" type="datetimeFigureOut">
               <a:rPr kumimoji="1" lang="ja-JP" altLang="en-US" smtClean="0"/>
-              <a:t>2023/7/30</a:t>
+              <a:t>2023/8/7</a:t>
             </a:fld>
             <a:endParaRPr kumimoji="1" lang="ja-JP" altLang="en-US"/>
           </a:p>
@@ -1036,7 +1041,7 @@
           <a:p>
             <a:fld id="{3959A244-0CDE-1846-9ADE-A95D09C5D661}" type="datetimeFigureOut">
               <a:rPr kumimoji="1" lang="ja-JP" altLang="en-US" smtClean="0"/>
-              <a:t>2023/7/30</a:t>
+              <a:t>2023/8/7</a:t>
             </a:fld>
             <a:endParaRPr kumimoji="1" lang="ja-JP" altLang="en-US"/>
           </a:p>
@@ -1238,7 +1243,7 @@
           <a:p>
             <a:fld id="{3959A244-0CDE-1846-9ADE-A95D09C5D661}" type="datetimeFigureOut">
               <a:rPr kumimoji="1" lang="ja-JP" altLang="en-US" smtClean="0"/>
-              <a:t>2023/7/30</a:t>
+              <a:t>2023/8/7</a:t>
             </a:fld>
             <a:endParaRPr kumimoji="1" lang="ja-JP" altLang="en-US"/>
           </a:p>
@@ -1482,7 +1487,7 @@
           <a:p>
             <a:fld id="{3959A244-0CDE-1846-9ADE-A95D09C5D661}" type="datetimeFigureOut">
               <a:rPr kumimoji="1" lang="ja-JP" altLang="en-US" smtClean="0"/>
-              <a:t>2023/7/30</a:t>
+              <a:t>2023/8/7</a:t>
             </a:fld>
             <a:endParaRPr kumimoji="1" lang="ja-JP" altLang="en-US"/>
           </a:p>
@@ -1778,7 +1783,7 @@
           <a:p>
             <a:fld id="{3959A244-0CDE-1846-9ADE-A95D09C5D661}" type="datetimeFigureOut">
               <a:rPr kumimoji="1" lang="ja-JP" altLang="en-US" smtClean="0"/>
-              <a:t>2023/7/30</a:t>
+              <a:t>2023/8/7</a:t>
             </a:fld>
             <a:endParaRPr kumimoji="1" lang="ja-JP" altLang="en-US"/>
           </a:p>
@@ -2209,7 +2214,7 @@
           <a:p>
             <a:fld id="{3959A244-0CDE-1846-9ADE-A95D09C5D661}" type="datetimeFigureOut">
               <a:rPr kumimoji="1" lang="ja-JP" altLang="en-US" smtClean="0"/>
-              <a:t>2023/7/30</a:t>
+              <a:t>2023/8/7</a:t>
             </a:fld>
             <a:endParaRPr kumimoji="1" lang="ja-JP" altLang="en-US"/>
           </a:p>
@@ -2327,7 +2332,7 @@
           <a:p>
             <a:fld id="{3959A244-0CDE-1846-9ADE-A95D09C5D661}" type="datetimeFigureOut">
               <a:rPr kumimoji="1" lang="ja-JP" altLang="en-US" smtClean="0"/>
-              <a:t>2023/7/30</a:t>
+              <a:t>2023/8/7</a:t>
             </a:fld>
             <a:endParaRPr kumimoji="1" lang="ja-JP" altLang="en-US"/>
           </a:p>
@@ -2422,7 +2427,7 @@
           <a:p>
             <a:fld id="{3959A244-0CDE-1846-9ADE-A95D09C5D661}" type="datetimeFigureOut">
               <a:rPr kumimoji="1" lang="ja-JP" altLang="en-US" smtClean="0"/>
-              <a:t>2023/7/30</a:t>
+              <a:t>2023/8/7</a:t>
             </a:fld>
             <a:endParaRPr kumimoji="1" lang="ja-JP" altLang="en-US"/>
           </a:p>
@@ -2731,7 +2736,7 @@
           <a:p>
             <a:fld id="{3959A244-0CDE-1846-9ADE-A95D09C5D661}" type="datetimeFigureOut">
               <a:rPr kumimoji="1" lang="ja-JP" altLang="en-US" smtClean="0"/>
-              <a:t>2023/7/30</a:t>
+              <a:t>2023/8/7</a:t>
             </a:fld>
             <a:endParaRPr kumimoji="1" lang="ja-JP" altLang="en-US"/>
           </a:p>
@@ -2988,7 +2993,7 @@
           <a:p>
             <a:fld id="{3959A244-0CDE-1846-9ADE-A95D09C5D661}" type="datetimeFigureOut">
               <a:rPr kumimoji="1" lang="ja-JP" altLang="en-US" smtClean="0"/>
-              <a:t>2023/7/30</a:t>
+              <a:t>2023/8/7</a:t>
             </a:fld>
             <a:endParaRPr kumimoji="1" lang="ja-JP" altLang="en-US"/>
           </a:p>
@@ -3233,7 +3238,7 @@
           <a:p>
             <a:fld id="{3959A244-0CDE-1846-9ADE-A95D09C5D661}" type="datetimeFigureOut">
               <a:rPr kumimoji="1" lang="ja-JP" altLang="en-US" smtClean="0"/>
-              <a:t>2023/7/30</a:t>
+              <a:t>2023/8/7</a:t>
             </a:fld>
             <a:endParaRPr kumimoji="1" lang="ja-JP" altLang="en-US"/>
           </a:p>
@@ -3640,6 +3645,55 @@
       </p:grpSpPr>
       <p:sp>
         <p:nvSpPr>
+          <p:cNvPr id="17" name="正方形/長方形 16">
+            <a:extLst>
+              <a:ext uri="{FF2B5EF4-FFF2-40B4-BE49-F238E27FC236}">
+                <a16:creationId xmlns:a16="http://schemas.microsoft.com/office/drawing/2014/main" id="{F59C9BC4-D65E-8720-1CA2-2DBB99408D50}"/>
+              </a:ext>
+            </a:extLst>
+          </p:cNvPr>
+          <p:cNvSpPr/>
+          <p:nvPr/>
+        </p:nvSpPr>
+        <p:spPr>
+          <a:xfrm>
+            <a:off x="0" y="9862457"/>
+            <a:ext cx="7559675" cy="829356"/>
+          </a:xfrm>
+          <a:prstGeom prst="rect">
+            <a:avLst/>
+          </a:prstGeom>
+          <a:ln>
+            <a:noFill/>
+          </a:ln>
+        </p:spPr>
+        <p:style>
+          <a:lnRef idx="2">
+            <a:schemeClr val="accent1">
+              <a:shade val="15000"/>
+            </a:schemeClr>
+          </a:lnRef>
+          <a:fillRef idx="1">
+            <a:schemeClr val="accent1"/>
+          </a:fillRef>
+          <a:effectRef idx="0">
+            <a:schemeClr val="accent1"/>
+          </a:effectRef>
+          <a:fontRef idx="minor">
+            <a:schemeClr val="lt1"/>
+          </a:fontRef>
+        </p:style>
+        <p:txBody>
+          <a:bodyPr rtlCol="0" anchor="ctr"/>
+          <a:lstStyle/>
+          <a:p>
+            <a:pPr algn="ctr"/>
+            <a:endParaRPr kumimoji="1" lang="ja-JP" altLang="en-US"/>
+          </a:p>
+        </p:txBody>
+      </p:sp>
+      <p:sp>
+        <p:nvSpPr>
           <p:cNvPr id="4" name="テキスト ボックス 3">
             <a:extLst>
               <a:ext uri="{FF2B5EF4-FFF2-40B4-BE49-F238E27FC236}">
@@ -3652,8 +3706,8 @@
         </p:nvSpPr>
         <p:spPr>
           <a:xfrm>
-            <a:off x="348330" y="341550"/>
-            <a:ext cx="6983322" cy="400110"/>
+            <a:off x="143754" y="114626"/>
+            <a:ext cx="7116372" cy="954107"/>
           </a:xfrm>
           <a:prstGeom prst="rect">
             <a:avLst/>
@@ -3667,19 +3721,22 @@
           <a:lstStyle/>
           <a:p>
             <a:r>
-              <a:rPr kumimoji="1" lang="en-US" altLang="ja-JP" sz="2000" b="1" dirty="0"/>
+              <a:rPr kumimoji="1" lang="en-US" altLang="ja-JP" sz="2800" b="1" dirty="0"/>
               <a:t>JAWS-UG </a:t>
             </a:r>
             <a:r>
-              <a:rPr kumimoji="1" lang="ja-JP" altLang="en-US" sz="2000" b="1"/>
+              <a:rPr kumimoji="1" lang="ja-JP" altLang="en-US" sz="2800" b="1" dirty="0"/>
               <a:t>金沢支部</a:t>
             </a:r>
             <a:r>
-              <a:rPr kumimoji="1" lang="en-US" altLang="ja-JP" sz="2000" b="1" dirty="0"/>
-              <a:t> x AWS Startup Community </a:t>
-            </a:r>
-            <a:r>
-              <a:rPr kumimoji="1" lang="ja-JP" altLang="en-US" sz="2000" b="1"/>
+              <a:rPr kumimoji="1" lang="en-US" altLang="ja-JP" sz="2800" b="1" dirty="0"/>
+              <a:t> x AWS Startup Community</a:t>
+            </a:r>
+          </a:p>
+          <a:p>
+            <a:pPr algn="r"/>
+            <a:r>
+              <a:rPr kumimoji="1" lang="ja-JP" altLang="en-US" sz="2800" b="1" dirty="0"/>
               <a:t>コラボイベント</a:t>
             </a:r>
           </a:p>
@@ -3699,8 +3756,8 @@
         </p:nvSpPr>
         <p:spPr>
           <a:xfrm>
-            <a:off x="890593" y="887148"/>
-            <a:ext cx="6324772" cy="584775"/>
+            <a:off x="1843906" y="1010424"/>
+            <a:ext cx="5353908" cy="923330"/>
           </a:xfrm>
           <a:prstGeom prst="rect">
             <a:avLst/>
@@ -3714,143 +3771,16 @@
           <a:lstStyle/>
           <a:p>
             <a:r>
-              <a:rPr kumimoji="1" lang="ja-JP" altLang="en-US" sz="1600"/>
+              <a:rPr kumimoji="1" lang="ja-JP" altLang="en-US" dirty="0"/>
               <a:t>学生や地域の企業の皆様、自治体の皆様に</a:t>
             </a:r>
             <a:r>
-              <a:rPr kumimoji="1" lang="en-US" altLang="ja-JP" sz="1600" dirty="0"/>
+              <a:rPr kumimoji="1" lang="en-US" altLang="ja-JP" dirty="0"/>
               <a:t>AWS</a:t>
             </a:r>
             <a:r>
-              <a:rPr kumimoji="1" lang="ja-JP" altLang="en-US" sz="1600"/>
+              <a:rPr kumimoji="1" lang="ja-JP" altLang="en-US" dirty="0"/>
               <a:t>、スタートアップ企業、そのコミュニティを知っていただくイベントです</a:t>
-            </a:r>
-          </a:p>
-        </p:txBody>
-      </p:sp>
-      <p:sp>
-        <p:nvSpPr>
-          <p:cNvPr id="6" name="テキスト ボックス 5">
-            <a:extLst>
-              <a:ext uri="{FF2B5EF4-FFF2-40B4-BE49-F238E27FC236}">
-                <a16:creationId xmlns:a16="http://schemas.microsoft.com/office/drawing/2014/main" id="{75381342-1945-5B37-BC71-5CACF0B1A154}"/>
-              </a:ext>
-            </a:extLst>
-          </p:cNvPr>
-          <p:cNvSpPr txBox="1"/>
-          <p:nvPr/>
-        </p:nvSpPr>
-        <p:spPr>
-          <a:xfrm>
-            <a:off x="3520123" y="2084566"/>
-            <a:ext cx="2892138" cy="369332"/>
-          </a:xfrm>
-          <a:prstGeom prst="rect">
-            <a:avLst/>
-          </a:prstGeom>
-          <a:noFill/>
-        </p:spPr>
-        <p:txBody>
-          <a:bodyPr wrap="none" rtlCol="0">
-            <a:spAutoFit/>
-          </a:bodyPr>
-          <a:lstStyle/>
-          <a:p>
-            <a:r>
-              <a:rPr kumimoji="1" lang="en-US" altLang="ja-JP" dirty="0"/>
-              <a:t>12</a:t>
-            </a:r>
-            <a:r>
-              <a:rPr kumimoji="1" lang="ja-JP" altLang="en-US"/>
-              <a:t>月</a:t>
-            </a:r>
-            <a:r>
-              <a:rPr kumimoji="1" lang="en-US" altLang="ja-JP" dirty="0"/>
-              <a:t>9</a:t>
-            </a:r>
-            <a:r>
-              <a:rPr kumimoji="1" lang="ja-JP" altLang="en-US"/>
-              <a:t>日</a:t>
-            </a:r>
-            <a:r>
-              <a:rPr kumimoji="1" lang="en-US" altLang="ja-JP" dirty="0"/>
-              <a:t>(</a:t>
-            </a:r>
-            <a:r>
-              <a:rPr kumimoji="1" lang="ja-JP" altLang="en-US"/>
-              <a:t>土</a:t>
-            </a:r>
-            <a:r>
-              <a:rPr kumimoji="1" lang="en-US" altLang="ja-JP" dirty="0"/>
-              <a:t>)</a:t>
-            </a:r>
-            <a:r>
-              <a:rPr kumimoji="1" lang="ja-JP" altLang="en-US"/>
-              <a:t>　</a:t>
-            </a:r>
-            <a:r>
-              <a:rPr kumimoji="1" lang="en-US" altLang="ja-JP" dirty="0"/>
-              <a:t>14:00〜22:00</a:t>
-            </a:r>
-            <a:endParaRPr kumimoji="1" lang="ja-JP" altLang="en-US"/>
-          </a:p>
-        </p:txBody>
-      </p:sp>
-      <p:sp>
-        <p:nvSpPr>
-          <p:cNvPr id="7" name="テキスト ボックス 6">
-            <a:extLst>
-              <a:ext uri="{FF2B5EF4-FFF2-40B4-BE49-F238E27FC236}">
-                <a16:creationId xmlns:a16="http://schemas.microsoft.com/office/drawing/2014/main" id="{EB4F0CE5-3F29-21B3-8B04-EA5A3B0B9582}"/>
-              </a:ext>
-            </a:extLst>
-          </p:cNvPr>
-          <p:cNvSpPr txBox="1"/>
-          <p:nvPr/>
-        </p:nvSpPr>
-        <p:spPr>
-          <a:xfrm>
-            <a:off x="3520123" y="2453898"/>
-            <a:ext cx="3695242" cy="369332"/>
-          </a:xfrm>
-          <a:prstGeom prst="rect">
-            <a:avLst/>
-          </a:prstGeom>
-          <a:noFill/>
-        </p:spPr>
-        <p:txBody>
-          <a:bodyPr wrap="none" rtlCol="0">
-            <a:spAutoFit/>
-          </a:bodyPr>
-          <a:lstStyle/>
-          <a:p>
-            <a:r>
-              <a:rPr kumimoji="1" lang="ja-JP" altLang="en-US"/>
-              <a:t>金沢</a:t>
-            </a:r>
-            <a:r>
-              <a:rPr kumimoji="1" lang="en-US" altLang="ja-JP" dirty="0"/>
-              <a:t>IT</a:t>
-            </a:r>
-            <a:r>
-              <a:rPr kumimoji="1" lang="ja-JP" altLang="en-US"/>
-              <a:t>プラザ武蔵</a:t>
-            </a:r>
-            <a:r>
-              <a:rPr kumimoji="1" lang="en-US" altLang="ja-JP" dirty="0"/>
-              <a:t>6F</a:t>
-            </a:r>
-            <a:r>
-              <a:rPr kumimoji="1" lang="ja-JP" altLang="en-US"/>
-              <a:t>　交流室１</a:t>
-            </a:r>
-            <a:r>
-              <a:rPr kumimoji="1" lang="en-US" altLang="ja-JP" dirty="0"/>
-              <a:t>,</a:t>
-            </a:r>
-            <a:r>
-              <a:rPr kumimoji="1" lang="ja-JP" altLang="en-US"/>
-              <a:t>２</a:t>
             </a:r>
           </a:p>
         </p:txBody>
@@ -4643,7 +4573,7 @@
         </p:nvSpPr>
         <p:spPr>
           <a:xfrm>
-            <a:off x="223732" y="9830039"/>
+            <a:off x="170713" y="9968538"/>
             <a:ext cx="7124894" cy="584775"/>
           </a:xfrm>
           <a:prstGeom prst="rect">
@@ -4658,23 +4588,48 @@
           <a:lstStyle/>
           <a:p>
             <a:r>
-              <a:rPr kumimoji="1" lang="ja-JP" altLang="en-US"/>
+              <a:rPr kumimoji="1" lang="ja-JP" altLang="en-US" dirty="0">
+                <a:solidFill>
+                  <a:schemeClr val="bg1"/>
+                </a:solidFill>
+              </a:rPr>
               <a:t>お申し込みはこちらから　</a:t>
             </a:r>
             <a:r>
-              <a:rPr kumimoji="1" lang="en" altLang="ja-JP" sz="1200" dirty="0">
-                <a:hlinkClick r:id="rId2"/>
+              <a:rPr kumimoji="1" lang="en-US" altLang="ja-JP" sz="1400" b="1" dirty="0">
+                <a:solidFill>
+                  <a:schemeClr val="bg1"/>
+                </a:solidFill>
+                <a:hlinkClick r:id="rId2">
+                  <a:extLst>
+                    <a:ext uri="{A12FA001-AC4F-418D-AE19-62706E023703}">
+                      <ahyp:hlinkClr xmlns:ahyp="http://schemas.microsoft.com/office/drawing/2018/hyperlinkcolor" val="tx"/>
+                    </a:ext>
+                  </a:extLst>
+                </a:hlinkClick>
               </a:rPr>
-              <a:t>https://jawsug-kanazawa.doorkeeper.jp/events/159890</a:t>
-            </a:r>
-            <a:endParaRPr kumimoji="1" lang="en-US" altLang="ja-JP" dirty="0"/>
-          </a:p>
-          <a:p>
-            <a:r>
-              <a:rPr kumimoji="1" lang="ja-JP" altLang="en-US" sz="1400"/>
-              <a:t>参加にあたり行動規範をご確認ください</a:t>
-            </a:r>
-            <a:endParaRPr kumimoji="1" lang="ja-JP" altLang="en-US"/>
+              <a:t>https://bit.ly/jaws-ug_kanazawa20231209</a:t>
+            </a:r>
+            <a:endParaRPr kumimoji="1" lang="en-US" altLang="ja-JP" sz="1400" b="1" dirty="0">
+              <a:solidFill>
+                <a:schemeClr val="bg1"/>
+              </a:solidFill>
+            </a:endParaRPr>
+          </a:p>
+          <a:p>
+            <a:r>
+              <a:rPr kumimoji="1" lang="ja-JP" altLang="en-US" sz="1400" dirty="0">
+                <a:solidFill>
+                  <a:schemeClr val="bg1"/>
+                </a:solidFill>
+              </a:rPr>
+              <a:t>行動規範をご確認いただきお申し込みください</a:t>
+            </a:r>
+            <a:endParaRPr kumimoji="1" lang="ja-JP" altLang="en-US" dirty="0">
+              <a:solidFill>
+                <a:schemeClr val="bg1"/>
+              </a:solidFill>
+            </a:endParaRPr>
           </a:p>
         </p:txBody>
       </p:sp>
@@ -4707,14 +4662,14 @@
           <a:lstStyle/>
           <a:p>
             <a:r>
-              <a:rPr kumimoji="1" lang="ja-JP" altLang="en-US" sz="1400"/>
+              <a:rPr kumimoji="1" lang="ja-JP" altLang="en-US" sz="1400" dirty="0"/>
               <a:t>以下の参加者をお待ちしています</a:t>
             </a:r>
             <a:endParaRPr kumimoji="1" lang="en-US" altLang="ja-JP" sz="1400" dirty="0"/>
           </a:p>
           <a:p>
             <a:r>
-              <a:rPr kumimoji="1" lang="ja-JP" altLang="en-US" sz="1400"/>
+              <a:rPr kumimoji="1" lang="ja-JP" altLang="en-US" sz="1400" dirty="0"/>
               <a:t>・</a:t>
             </a:r>
             <a:r>
@@ -4722,14 +4677,14 @@
               <a:t>IT</a:t>
             </a:r>
             <a:r>
-              <a:rPr kumimoji="1" lang="ja-JP" altLang="en-US" sz="1400"/>
+              <a:rPr kumimoji="1" lang="ja-JP" altLang="en-US" sz="1400" dirty="0"/>
               <a:t>を利活用する場合にどのようにすれば良いか迷っている経営者、自治体担当者</a:t>
             </a:r>
             <a:endParaRPr kumimoji="1" lang="en-US" altLang="ja-JP" sz="1400" dirty="0"/>
           </a:p>
           <a:p>
             <a:r>
-              <a:rPr kumimoji="1" lang="ja-JP" altLang="en-US" sz="1400"/>
+              <a:rPr kumimoji="1" lang="ja-JP" altLang="en-US" sz="1400" dirty="0"/>
               <a:t>・ベンチャー、スタートアップ、</a:t>
             </a:r>
             <a:r>
@@ -4737,14 +4692,14 @@
               <a:t>AWS</a:t>
             </a:r>
             <a:r>
-              <a:rPr kumimoji="1" lang="ja-JP" altLang="en-US" sz="1400"/>
+              <a:rPr kumimoji="1" lang="ja-JP" altLang="en-US" sz="1400" dirty="0"/>
               <a:t>利用をしている人と知り合いになりたい方</a:t>
             </a:r>
             <a:endParaRPr kumimoji="1" lang="en-US" altLang="ja-JP" sz="1400" dirty="0"/>
           </a:p>
           <a:p>
             <a:r>
-              <a:rPr kumimoji="1" lang="ja-JP" altLang="en-US" sz="1400"/>
+              <a:rPr kumimoji="1" lang="ja-JP" altLang="en-US" sz="1400" dirty="0"/>
               <a:t>・地域課題の解決に取組されているスタートアップ企業の皆様</a:t>
             </a:r>
             <a:endParaRPr kumimoji="1" lang="en-US" altLang="ja-JP" sz="1400" dirty="0"/>
@@ -4765,8 +4720,8 @@
         </p:nvSpPr>
         <p:spPr>
           <a:xfrm>
-            <a:off x="121852" y="8677289"/>
-            <a:ext cx="7348627" cy="861774"/>
+            <a:off x="121852" y="8495884"/>
+            <a:ext cx="7348627" cy="1107996"/>
           </a:xfrm>
           <a:prstGeom prst="rect">
             <a:avLst/>
@@ -4786,14 +4741,14 @@
           <a:lstStyle/>
           <a:p>
             <a:r>
-              <a:rPr kumimoji="1" lang="ja-JP" altLang="en-US"/>
+              <a:rPr kumimoji="1" lang="ja-JP" altLang="en-US" dirty="0"/>
               <a:t>本イベントにご協力いただける方を絶賛募集中</a:t>
             </a:r>
             <a:endParaRPr kumimoji="1" lang="en-US" altLang="ja-JP" dirty="0"/>
           </a:p>
           <a:p>
             <a:r>
-              <a:rPr kumimoji="1" lang="ja-JP" altLang="en-US" sz="1600"/>
+              <a:rPr kumimoji="1" lang="ja-JP" altLang="en-US" sz="1600" dirty="0"/>
               <a:t>・会場費スポンサー　・チラシスポンサー</a:t>
             </a:r>
             <a:r>
@@ -4801,14 +4756,14 @@
               <a:t>		</a:t>
             </a:r>
             <a:r>
-              <a:rPr kumimoji="1" lang="ja-JP" altLang="en-US" sz="1600"/>
+              <a:rPr kumimoji="1" lang="ja-JP" altLang="en-US" sz="1600" dirty="0"/>
               <a:t>・ノベルティスポンサー</a:t>
             </a:r>
             <a:endParaRPr kumimoji="1" lang="en-US" altLang="ja-JP" sz="1600" dirty="0"/>
           </a:p>
           <a:p>
             <a:r>
-              <a:rPr kumimoji="1" lang="ja-JP" altLang="en-US" sz="1600"/>
+              <a:rPr kumimoji="1" lang="ja-JP" altLang="en-US" sz="1600" dirty="0"/>
               <a:t>・フードスポンサー　・ドリンクスポンサー</a:t>
             </a:r>
             <a:r>
@@ -4816,10 +4771,174 @@
               <a:t>		</a:t>
             </a:r>
             <a:r>
-              <a:rPr kumimoji="1" lang="ja-JP" altLang="en-US" sz="1600"/>
+              <a:rPr kumimoji="1" lang="ja-JP" altLang="en-US" sz="1600" dirty="0"/>
               <a:t>・登壇者</a:t>
             </a:r>
             <a:endParaRPr kumimoji="1" lang="en-US" altLang="ja-JP" sz="1600" dirty="0"/>
+          </a:p>
+          <a:p>
+            <a:r>
+              <a:rPr kumimoji="1" lang="ja-JP" altLang="en-US" sz="1600" dirty="0"/>
+              <a:t>お申し込みページページの「お問い合わせ」よりご連絡ください</a:t>
+            </a:r>
+            <a:endParaRPr kumimoji="1" lang="en-US" altLang="ja-JP" sz="1600" dirty="0"/>
+          </a:p>
+        </p:txBody>
+      </p:sp>
+      <p:sp>
+        <p:nvSpPr>
+          <p:cNvPr id="6" name="テキスト ボックス 5">
+            <a:extLst>
+              <a:ext uri="{FF2B5EF4-FFF2-40B4-BE49-F238E27FC236}">
+                <a16:creationId xmlns:a16="http://schemas.microsoft.com/office/drawing/2014/main" id="{75381342-1945-5B37-BC71-5CACF0B1A154}"/>
+              </a:ext>
+            </a:extLst>
+          </p:cNvPr>
+          <p:cNvSpPr txBox="1"/>
+          <p:nvPr/>
+        </p:nvSpPr>
+        <p:spPr>
+          <a:xfrm>
+            <a:off x="3144108" y="1945269"/>
+            <a:ext cx="4079963" cy="461665"/>
+          </a:xfrm>
+          <a:prstGeom prst="rect">
+            <a:avLst/>
+          </a:prstGeom>
+          <a:noFill/>
+        </p:spPr>
+        <p:txBody>
+          <a:bodyPr wrap="none" rtlCol="0">
+            <a:spAutoFit/>
+          </a:bodyPr>
+          <a:lstStyle/>
+          <a:p>
+            <a:r>
+              <a:rPr kumimoji="1" lang="en-US" altLang="ja-JP" sz="2400" b="1" dirty="0">
+                <a:latin typeface="HGS創英角ﾎﾟｯﾌﾟ体" panose="040B0A00000000000000" pitchFamily="50" charset="-128"/>
+                <a:ea typeface="HGS創英角ﾎﾟｯﾌﾟ体" panose="040B0A00000000000000" pitchFamily="50" charset="-128"/>
+              </a:rPr>
+              <a:t>12</a:t>
+            </a:r>
+            <a:r>
+              <a:rPr kumimoji="1" lang="ja-JP" altLang="en-US" sz="2400" b="1" dirty="0">
+                <a:latin typeface="HGS創英角ﾎﾟｯﾌﾟ体" panose="040B0A00000000000000" pitchFamily="50" charset="-128"/>
+                <a:ea typeface="HGS創英角ﾎﾟｯﾌﾟ体" panose="040B0A00000000000000" pitchFamily="50" charset="-128"/>
+              </a:rPr>
+              <a:t>月</a:t>
+            </a:r>
+            <a:r>
+              <a:rPr kumimoji="1" lang="en-US" altLang="ja-JP" sz="2400" b="1" dirty="0">
+                <a:latin typeface="HGS創英角ﾎﾟｯﾌﾟ体" panose="040B0A00000000000000" pitchFamily="50" charset="-128"/>
+                <a:ea typeface="HGS創英角ﾎﾟｯﾌﾟ体" panose="040B0A00000000000000" pitchFamily="50" charset="-128"/>
+              </a:rPr>
+              <a:t>9</a:t>
+            </a:r>
+            <a:r>
+              <a:rPr kumimoji="1" lang="ja-JP" altLang="en-US" sz="2400" b="1" dirty="0">
+                <a:latin typeface="HGS創英角ﾎﾟｯﾌﾟ体" panose="040B0A00000000000000" pitchFamily="50" charset="-128"/>
+                <a:ea typeface="HGS創英角ﾎﾟｯﾌﾟ体" panose="040B0A00000000000000" pitchFamily="50" charset="-128"/>
+              </a:rPr>
+              <a:t>日</a:t>
+            </a:r>
+            <a:r>
+              <a:rPr kumimoji="1" lang="en-US" altLang="ja-JP" sz="2400" b="1" dirty="0">
+                <a:latin typeface="HGS創英角ﾎﾟｯﾌﾟ体" panose="040B0A00000000000000" pitchFamily="50" charset="-128"/>
+                <a:ea typeface="HGS創英角ﾎﾟｯﾌﾟ体" panose="040B0A00000000000000" pitchFamily="50" charset="-128"/>
+              </a:rPr>
+              <a:t>(</a:t>
+            </a:r>
+            <a:r>
+              <a:rPr kumimoji="1" lang="ja-JP" altLang="en-US" sz="2400" b="1" dirty="0">
+                <a:latin typeface="HGS創英角ﾎﾟｯﾌﾟ体" panose="040B0A00000000000000" pitchFamily="50" charset="-128"/>
+                <a:ea typeface="HGS創英角ﾎﾟｯﾌﾟ体" panose="040B0A00000000000000" pitchFamily="50" charset="-128"/>
+              </a:rPr>
+              <a:t>土</a:t>
+            </a:r>
+            <a:r>
+              <a:rPr kumimoji="1" lang="en-US" altLang="ja-JP" sz="2400" b="1" dirty="0">
+                <a:latin typeface="HGS創英角ﾎﾟｯﾌﾟ体" panose="040B0A00000000000000" pitchFamily="50" charset="-128"/>
+                <a:ea typeface="HGS創英角ﾎﾟｯﾌﾟ体" panose="040B0A00000000000000" pitchFamily="50" charset="-128"/>
+              </a:rPr>
+              <a:t>)</a:t>
+            </a:r>
+            <a:r>
+              <a:rPr kumimoji="1" lang="ja-JP" altLang="en-US" sz="2400" b="1" dirty="0">
+                <a:latin typeface="HGS創英角ﾎﾟｯﾌﾟ体" panose="040B0A00000000000000" pitchFamily="50" charset="-128"/>
+                <a:ea typeface="HGS創英角ﾎﾟｯﾌﾟ体" panose="040B0A00000000000000" pitchFamily="50" charset="-128"/>
+              </a:rPr>
+              <a:t> </a:t>
+            </a:r>
+            <a:r>
+              <a:rPr kumimoji="1" lang="en-US" altLang="ja-JP" sz="2400" b="1" dirty="0">
+                <a:latin typeface="HGS創英角ﾎﾟｯﾌﾟ体" panose="040B0A00000000000000" pitchFamily="50" charset="-128"/>
+                <a:ea typeface="HGS創英角ﾎﾟｯﾌﾟ体" panose="040B0A00000000000000" pitchFamily="50" charset="-128"/>
+              </a:rPr>
+              <a:t>14:00〜22:00</a:t>
+            </a:r>
+            <a:endParaRPr kumimoji="1" lang="ja-JP" altLang="en-US" sz="2400" b="1" dirty="0">
+              <a:latin typeface="HGS創英角ﾎﾟｯﾌﾟ体" panose="040B0A00000000000000" pitchFamily="50" charset="-128"/>
+              <a:ea typeface="HGS創英角ﾎﾟｯﾌﾟ体" panose="040B0A00000000000000" pitchFamily="50" charset="-128"/>
+            </a:endParaRPr>
+          </a:p>
+        </p:txBody>
+      </p:sp>
+      <p:sp>
+        <p:nvSpPr>
+          <p:cNvPr id="7" name="テキスト ボックス 6">
+            <a:extLst>
+              <a:ext uri="{FF2B5EF4-FFF2-40B4-BE49-F238E27FC236}">
+                <a16:creationId xmlns:a16="http://schemas.microsoft.com/office/drawing/2014/main" id="{EB4F0CE5-3F29-21B3-8B04-EA5A3B0B9582}"/>
+              </a:ext>
+            </a:extLst>
+          </p:cNvPr>
+          <p:cNvSpPr txBox="1"/>
+          <p:nvPr/>
+        </p:nvSpPr>
+        <p:spPr>
+          <a:xfrm>
+            <a:off x="3520123" y="2454461"/>
+            <a:ext cx="3695242" cy="369332"/>
+          </a:xfrm>
+          <a:prstGeom prst="rect">
+            <a:avLst/>
+          </a:prstGeom>
+          <a:noFill/>
+        </p:spPr>
+        <p:txBody>
+          <a:bodyPr wrap="none" rtlCol="0">
+            <a:spAutoFit/>
+          </a:bodyPr>
+          <a:lstStyle/>
+          <a:p>
+            <a:r>
+              <a:rPr kumimoji="1" lang="ja-JP" altLang="en-US" dirty="0"/>
+              <a:t>金沢</a:t>
+            </a:r>
+            <a:r>
+              <a:rPr kumimoji="1" lang="en-US" altLang="ja-JP" dirty="0"/>
+              <a:t>IT</a:t>
+            </a:r>
+            <a:r>
+              <a:rPr kumimoji="1" lang="ja-JP" altLang="en-US" dirty="0"/>
+              <a:t>プラザ武蔵</a:t>
+            </a:r>
+            <a:r>
+              <a:rPr kumimoji="1" lang="en-US" altLang="ja-JP" dirty="0"/>
+              <a:t>6F</a:t>
+            </a:r>
+            <a:r>
+              <a:rPr kumimoji="1" lang="ja-JP" altLang="en-US" dirty="0"/>
+              <a:t>　交流室１</a:t>
+            </a:r>
+            <a:r>
+              <a:rPr kumimoji="1" lang="en-US" altLang="ja-JP" dirty="0"/>
+              <a:t>,</a:t>
+            </a:r>
+            <a:r>
+              <a:rPr kumimoji="1" lang="ja-JP" altLang="en-US" dirty="0"/>
+              <a:t>２</a:t>
+            </a:r>
           </a:p>
         </p:txBody>
       </p:sp>
@@ -4837,7 +4956,7 @@
         </p:nvSpPr>
         <p:spPr>
           <a:xfrm>
-            <a:off x="3155905" y="2787034"/>
+            <a:off x="3155905" y="2787597"/>
             <a:ext cx="4403770" cy="369332"/>
           </a:xfrm>
           <a:prstGeom prst="rect">
@@ -4852,7 +4971,7 @@
           <a:lstStyle/>
           <a:p>
             <a:r>
-              <a:rPr kumimoji="1" lang="ja-JP" altLang="en-US"/>
+              <a:rPr kumimoji="1" lang="ja-JP" altLang="en-US" dirty="0"/>
               <a:t>参加費：無料（懇親会参加者は</a:t>
             </a:r>
             <a:r>
@@ -4860,7 +4979,7 @@
               <a:t>1,000</a:t>
             </a:r>
             <a:r>
-              <a:rPr kumimoji="1" lang="ja-JP" altLang="en-US"/>
+              <a:rPr kumimoji="1" lang="ja-JP" altLang="en-US" dirty="0"/>
               <a:t>円）</a:t>
             </a:r>
           </a:p>
@@ -4888,8 +5007,68 @@
         </p:blipFill>
         <p:spPr>
           <a:xfrm>
-            <a:off x="223732" y="1576550"/>
+            <a:off x="170713" y="2092517"/>
             <a:ext cx="2750064" cy="906724"/>
+          </a:xfrm>
+          <a:prstGeom prst="rect">
+            <a:avLst/>
+          </a:prstGeom>
+        </p:spPr>
+      </p:pic>
+      <p:pic>
+        <p:nvPicPr>
+          <p:cNvPr id="14" name="図 13" descr="マップ&#10;&#10;自動的に生成された説明">
+            <a:extLst>
+              <a:ext uri="{FF2B5EF4-FFF2-40B4-BE49-F238E27FC236}">
+                <a16:creationId xmlns:a16="http://schemas.microsoft.com/office/drawing/2014/main" id="{E5E69B88-2941-69AD-FB0A-90D5DB6EE825}"/>
+              </a:ext>
+            </a:extLst>
+          </p:cNvPr>
+          <p:cNvPicPr>
+            <a:picLocks noChangeAspect="1"/>
+          </p:cNvPicPr>
+          <p:nvPr/>
+        </p:nvPicPr>
+        <p:blipFill>
+          <a:blip r:embed="rId4"/>
+          <a:stretch>
+            <a:fillRect/>
+          </a:stretch>
+        </p:blipFill>
+        <p:spPr>
+          <a:xfrm>
+            <a:off x="240871" y="566398"/>
+            <a:ext cx="1321203" cy="1321203"/>
+          </a:xfrm>
+          <a:prstGeom prst="rect">
+            <a:avLst/>
+          </a:prstGeom>
+        </p:spPr>
+      </p:pic>
+      <p:pic>
+        <p:nvPicPr>
+          <p:cNvPr id="19" name="図 18" descr="QR コード&#10;&#10;自動的に生成された説明">
+            <a:extLst>
+              <a:ext uri="{FF2B5EF4-FFF2-40B4-BE49-F238E27FC236}">
+                <a16:creationId xmlns:a16="http://schemas.microsoft.com/office/drawing/2014/main" id="{188323FB-BB6C-DF61-E197-E3756F77F059}"/>
+              </a:ext>
+            </a:extLst>
+          </p:cNvPr>
+          <p:cNvPicPr>
+            <a:picLocks noChangeAspect="1"/>
+          </p:cNvPicPr>
+          <p:nvPr/>
+        </p:nvPicPr>
+        <p:blipFill>
+          <a:blip r:embed="rId5"/>
+          <a:stretch>
+            <a:fillRect/>
+          </a:stretch>
+        </p:blipFill>
+        <p:spPr>
+          <a:xfrm>
+            <a:off x="6482443" y="9614581"/>
+            <a:ext cx="1077232" cy="1077232"/>
           </a:xfrm>
           <a:prstGeom prst="rect">
             <a:avLst/>
